--- a/files/powerpoint/pp_replacement.pptx
+++ b/files/powerpoint/pp_replacement.pptx
@@ -7,7 +7,7 @@
   <p:sldIdLst>
     <p:sldId r:id="rId2" id="256"/>
     <p:sldId r:id="rId3" id="257"/>
-    <p:sldId r:id="rId10" id="305295787"/>
+    <p:sldId r:id="rId10" id="1240494641"/>
     <p:sldId r:id="rId5" id="259"/>
   </p:sldIdLst>
   <p:sldSz cy="6858000" cx="12192000"/>
@@ -3644,7 +3644,7 @@
           <p:spPr>
             <a:xfrm>
               <a:off y="1825625" x="838200"/>
-              <a:ext cy="4351338" cx="10515600"/>
+              <a:ext cy="4351337" cx="10515600"/>
             </a:xfrm>
             <a:prstGeom prst="rect">
               <a:avLst/>
@@ -3654,7 +3654,7 @@
                 <a:alpha val="100000"/>
               </a:srgbClr>
             </a:solidFill>
-            <a:ln cap="rnd" w="9525">
+            <a:ln cap="rnd" w="13550">
               <a:solidFill>
                 <a:srgbClr val="FFFFFF">
                   <a:alpha val="100000"/>
@@ -3678,41 +3678,6 @@
           </p:nvSpPr>
           <p:spPr>
             <a:xfrm>
-              <a:off y="1825625" x="838200"/>
-              <a:ext cy="4351337" cx="10515600"/>
-            </a:xfrm>
-            <a:prstGeom prst="rect">
-              <a:avLst/>
-            </a:prstGeom>
-            <a:solidFill>
-              <a:srgbClr val="FFFFFF">
-                <a:alpha val="100000"/>
-              </a:srgbClr>
-            </a:solidFill>
-            <a:ln cap="rnd" w="13550">
-              <a:solidFill>
-                <a:srgbClr val="FFFFFF">
-                  <a:alpha val="100000"/>
-                </a:srgbClr>
-              </a:solidFill>
-              <a:prstDash val="solid"/>
-              <a:round/>
-            </a:ln>
-          </p:spPr>
-          <p:txBody>
-            <a:bodyPr/>
-            <a:lstStyle/>
-            <a:p/>
-          </p:txBody>
-        </p:sp>
-        <p:sp>
-          <p:nvSpPr>
-            <p:cNvPr name="rc6" id="6"/>
-            <p:cNvSpPr/>
-            <p:nvPr/>
-          </p:nvSpPr>
-          <p:spPr>
-            <a:xfrm>
               <a:off y="1895214" x="1198837"/>
               <a:ext cy="3907141" cx="9088726"/>
             </a:xfrm>
@@ -3733,7 +3698,7 @@
         </p:sp>
         <p:sp>
           <p:nvSpPr>
-            <p:cNvPr name="pl7" id="7"/>
+            <p:cNvPr name="pl6" id="6"/>
             <p:cNvSpPr/>
             <p:nvPr/>
           </p:nvSpPr>
@@ -3776,7 +3741,7 @@
         </p:sp>
         <p:sp>
           <p:nvSpPr>
-            <p:cNvPr name="pl8" id="8"/>
+            <p:cNvPr name="pl7" id="7"/>
             <p:cNvSpPr/>
             <p:nvPr/>
           </p:nvSpPr>
@@ -3819,7 +3784,7 @@
         </p:sp>
         <p:sp>
           <p:nvSpPr>
-            <p:cNvPr name="pl9" id="9"/>
+            <p:cNvPr name="pl8" id="8"/>
             <p:cNvSpPr/>
             <p:nvPr/>
           </p:nvSpPr>
@@ -3862,7 +3827,7 @@
         </p:sp>
         <p:sp>
           <p:nvSpPr>
-            <p:cNvPr name="pl10" id="10"/>
+            <p:cNvPr name="pl9" id="9"/>
             <p:cNvSpPr/>
             <p:nvPr/>
           </p:nvSpPr>
@@ -3905,7 +3870,7 @@
         </p:sp>
         <p:sp>
           <p:nvSpPr>
-            <p:cNvPr name="pl11" id="11"/>
+            <p:cNvPr name="pl10" id="10"/>
             <p:cNvSpPr/>
             <p:nvPr/>
           </p:nvSpPr>
@@ -3948,7 +3913,7 @@
         </p:sp>
         <p:sp>
           <p:nvSpPr>
-            <p:cNvPr name="pl12" id="12"/>
+            <p:cNvPr name="pl11" id="11"/>
             <p:cNvSpPr/>
             <p:nvPr/>
           </p:nvSpPr>
@@ -3991,7 +3956,7 @@
         </p:sp>
         <p:sp>
           <p:nvSpPr>
-            <p:cNvPr name="pl13" id="13"/>
+            <p:cNvPr name="pl12" id="12"/>
             <p:cNvSpPr/>
             <p:nvPr/>
           </p:nvSpPr>
@@ -4034,7 +3999,7 @@
         </p:sp>
         <p:sp>
           <p:nvSpPr>
-            <p:cNvPr name="pl14" id="14"/>
+            <p:cNvPr name="pl13" id="13"/>
             <p:cNvSpPr/>
             <p:nvPr/>
           </p:nvSpPr>
@@ -4077,7 +4042,7 @@
         </p:sp>
         <p:sp>
           <p:nvSpPr>
-            <p:cNvPr name="pl15" id="15"/>
+            <p:cNvPr name="pl14" id="14"/>
             <p:cNvSpPr/>
             <p:nvPr/>
           </p:nvSpPr>
@@ -4120,7 +4085,7 @@
         </p:sp>
         <p:sp>
           <p:nvSpPr>
-            <p:cNvPr name="pl16" id="16"/>
+            <p:cNvPr name="pl15" id="15"/>
             <p:cNvSpPr/>
             <p:nvPr/>
           </p:nvSpPr>
@@ -4163,7 +4128,7 @@
         </p:sp>
         <p:sp>
           <p:nvSpPr>
-            <p:cNvPr name="pl17" id="17"/>
+            <p:cNvPr name="pl16" id="16"/>
             <p:cNvSpPr/>
             <p:nvPr/>
           </p:nvSpPr>
@@ -4206,7 +4171,7 @@
         </p:sp>
         <p:sp>
           <p:nvSpPr>
-            <p:cNvPr name="pl18" id="18"/>
+            <p:cNvPr name="pl17" id="17"/>
             <p:cNvSpPr/>
             <p:nvPr/>
           </p:nvSpPr>
@@ -4249,7 +4214,7 @@
         </p:sp>
         <p:sp>
           <p:nvSpPr>
-            <p:cNvPr name="pl19" id="19"/>
+            <p:cNvPr name="pl18" id="18"/>
             <p:cNvSpPr/>
             <p:nvPr/>
           </p:nvSpPr>
@@ -4292,7 +4257,7 @@
         </p:sp>
         <p:sp>
           <p:nvSpPr>
-            <p:cNvPr name="pl20" id="20"/>
+            <p:cNvPr name="pl19" id="19"/>
             <p:cNvSpPr/>
             <p:nvPr/>
           </p:nvSpPr>
@@ -4335,7 +4300,7 @@
         </p:sp>
         <p:sp>
           <p:nvSpPr>
-            <p:cNvPr name="pl21" id="21"/>
+            <p:cNvPr name="pl20" id="20"/>
             <p:cNvSpPr/>
             <p:nvPr/>
           </p:nvSpPr>
@@ -4378,7 +4343,7 @@
         </p:sp>
         <p:sp>
           <p:nvSpPr>
-            <p:cNvPr name="pt22" id="22"/>
+            <p:cNvPr name="pt21" id="21"/>
             <p:cNvSpPr/>
             <p:nvPr/>
           </p:nvSpPr>
@@ -4413,7 +4378,7 @@
         </p:sp>
         <p:sp>
           <p:nvSpPr>
-            <p:cNvPr name="pt23" id="23"/>
+            <p:cNvPr name="pt22" id="22"/>
             <p:cNvSpPr/>
             <p:nvPr/>
           </p:nvSpPr>
@@ -4448,7 +4413,7 @@
         </p:sp>
         <p:sp>
           <p:nvSpPr>
-            <p:cNvPr name="pt24" id="24"/>
+            <p:cNvPr name="pt23" id="23"/>
             <p:cNvSpPr/>
             <p:nvPr/>
           </p:nvSpPr>
@@ -4483,7 +4448,7 @@
         </p:sp>
         <p:sp>
           <p:nvSpPr>
-            <p:cNvPr name="pt25" id="25"/>
+            <p:cNvPr name="pt24" id="24"/>
             <p:cNvSpPr/>
             <p:nvPr/>
           </p:nvSpPr>
@@ -4518,7 +4483,7 @@
         </p:sp>
         <p:sp>
           <p:nvSpPr>
-            <p:cNvPr name="pt26" id="26"/>
+            <p:cNvPr name="pt25" id="25"/>
             <p:cNvSpPr/>
             <p:nvPr/>
           </p:nvSpPr>
@@ -4553,7 +4518,7 @@
         </p:sp>
         <p:sp>
           <p:nvSpPr>
-            <p:cNvPr name="pt27" id="27"/>
+            <p:cNvPr name="pt26" id="26"/>
             <p:cNvSpPr/>
             <p:nvPr/>
           </p:nvSpPr>
@@ -4588,7 +4553,7 @@
         </p:sp>
         <p:sp>
           <p:nvSpPr>
-            <p:cNvPr name="pt28" id="28"/>
+            <p:cNvPr name="pt27" id="27"/>
             <p:cNvSpPr/>
             <p:nvPr/>
           </p:nvSpPr>
@@ -4623,7 +4588,7 @@
         </p:sp>
         <p:sp>
           <p:nvSpPr>
-            <p:cNvPr name="pt29" id="29"/>
+            <p:cNvPr name="pt28" id="28"/>
             <p:cNvSpPr/>
             <p:nvPr/>
           </p:nvSpPr>
@@ -4658,7 +4623,7 @@
         </p:sp>
         <p:sp>
           <p:nvSpPr>
-            <p:cNvPr name="pt30" id="30"/>
+            <p:cNvPr name="pt29" id="29"/>
             <p:cNvSpPr/>
             <p:nvPr/>
           </p:nvSpPr>
@@ -4693,7 +4658,7 @@
         </p:sp>
         <p:sp>
           <p:nvSpPr>
-            <p:cNvPr name="pt31" id="31"/>
+            <p:cNvPr name="pt30" id="30"/>
             <p:cNvSpPr/>
             <p:nvPr/>
           </p:nvSpPr>
@@ -4728,7 +4693,7 @@
         </p:sp>
         <p:sp>
           <p:nvSpPr>
-            <p:cNvPr name="pt32" id="32"/>
+            <p:cNvPr name="pt31" id="31"/>
             <p:cNvSpPr/>
             <p:nvPr/>
           </p:nvSpPr>
@@ -4763,7 +4728,7 @@
         </p:sp>
         <p:sp>
           <p:nvSpPr>
-            <p:cNvPr name="pt33" id="33"/>
+            <p:cNvPr name="pt32" id="32"/>
             <p:cNvSpPr/>
             <p:nvPr/>
           </p:nvSpPr>
@@ -4798,7 +4763,7 @@
         </p:sp>
         <p:sp>
           <p:nvSpPr>
-            <p:cNvPr name="pt34" id="34"/>
+            <p:cNvPr name="pt33" id="33"/>
             <p:cNvSpPr/>
             <p:nvPr/>
           </p:nvSpPr>
@@ -4833,7 +4798,7 @@
         </p:sp>
         <p:sp>
           <p:nvSpPr>
-            <p:cNvPr name="pt35" id="35"/>
+            <p:cNvPr name="pt34" id="34"/>
             <p:cNvSpPr/>
             <p:nvPr/>
           </p:nvSpPr>
@@ -4868,7 +4833,7 @@
         </p:sp>
         <p:sp>
           <p:nvSpPr>
-            <p:cNvPr name="pt36" id="36"/>
+            <p:cNvPr name="pt35" id="35"/>
             <p:cNvSpPr/>
             <p:nvPr/>
           </p:nvSpPr>
@@ -4903,7 +4868,7 @@
         </p:sp>
         <p:sp>
           <p:nvSpPr>
-            <p:cNvPr name="pt37" id="37"/>
+            <p:cNvPr name="pt36" id="36"/>
             <p:cNvSpPr/>
             <p:nvPr/>
           </p:nvSpPr>
@@ -4938,7 +4903,7 @@
         </p:sp>
         <p:sp>
           <p:nvSpPr>
-            <p:cNvPr name="pt38" id="38"/>
+            <p:cNvPr name="pt37" id="37"/>
             <p:cNvSpPr/>
             <p:nvPr/>
           </p:nvSpPr>
@@ -4973,7 +4938,7 @@
         </p:sp>
         <p:sp>
           <p:nvSpPr>
-            <p:cNvPr name="pt39" id="39"/>
+            <p:cNvPr name="pt38" id="38"/>
             <p:cNvSpPr/>
             <p:nvPr/>
           </p:nvSpPr>
@@ -5008,7 +4973,7 @@
         </p:sp>
         <p:sp>
           <p:nvSpPr>
-            <p:cNvPr name="pt40" id="40"/>
+            <p:cNvPr name="pt39" id="39"/>
             <p:cNvSpPr/>
             <p:nvPr/>
           </p:nvSpPr>
@@ -5043,7 +5008,7 @@
         </p:sp>
         <p:sp>
           <p:nvSpPr>
-            <p:cNvPr name="pt41" id="41"/>
+            <p:cNvPr name="pt40" id="40"/>
             <p:cNvSpPr/>
             <p:nvPr/>
           </p:nvSpPr>
@@ -5078,7 +5043,7 @@
         </p:sp>
         <p:sp>
           <p:nvSpPr>
-            <p:cNvPr name="pt42" id="42"/>
+            <p:cNvPr name="pt41" id="41"/>
             <p:cNvSpPr/>
             <p:nvPr/>
           </p:nvSpPr>
@@ -5113,7 +5078,7 @@
         </p:sp>
         <p:sp>
           <p:nvSpPr>
-            <p:cNvPr name="pt43" id="43"/>
+            <p:cNvPr name="pt42" id="42"/>
             <p:cNvSpPr/>
             <p:nvPr/>
           </p:nvSpPr>
@@ -5148,7 +5113,7 @@
         </p:sp>
         <p:sp>
           <p:nvSpPr>
-            <p:cNvPr name="pt44" id="44"/>
+            <p:cNvPr name="pt43" id="43"/>
             <p:cNvSpPr/>
             <p:nvPr/>
           </p:nvSpPr>
@@ -5183,7 +5148,7 @@
         </p:sp>
         <p:sp>
           <p:nvSpPr>
-            <p:cNvPr name="pt45" id="45"/>
+            <p:cNvPr name="pt44" id="44"/>
             <p:cNvSpPr/>
             <p:nvPr/>
           </p:nvSpPr>
@@ -5218,7 +5183,7 @@
         </p:sp>
         <p:sp>
           <p:nvSpPr>
-            <p:cNvPr name="pt46" id="46"/>
+            <p:cNvPr name="pt45" id="45"/>
             <p:cNvSpPr/>
             <p:nvPr/>
           </p:nvSpPr>
@@ -5253,7 +5218,7 @@
         </p:sp>
         <p:sp>
           <p:nvSpPr>
-            <p:cNvPr name="pt47" id="47"/>
+            <p:cNvPr name="pt46" id="46"/>
             <p:cNvSpPr/>
             <p:nvPr/>
           </p:nvSpPr>
@@ -5288,7 +5253,7 @@
         </p:sp>
         <p:sp>
           <p:nvSpPr>
-            <p:cNvPr name="pt48" id="48"/>
+            <p:cNvPr name="pt47" id="47"/>
             <p:cNvSpPr/>
             <p:nvPr/>
           </p:nvSpPr>
@@ -5323,7 +5288,7 @@
         </p:sp>
         <p:sp>
           <p:nvSpPr>
-            <p:cNvPr name="pt49" id="49"/>
+            <p:cNvPr name="pt48" id="48"/>
             <p:cNvSpPr/>
             <p:nvPr/>
           </p:nvSpPr>
@@ -5358,7 +5323,7 @@
         </p:sp>
         <p:sp>
           <p:nvSpPr>
-            <p:cNvPr name="pt50" id="50"/>
+            <p:cNvPr name="pt49" id="49"/>
             <p:cNvSpPr/>
             <p:nvPr/>
           </p:nvSpPr>
@@ -5393,7 +5358,7 @@
         </p:sp>
         <p:sp>
           <p:nvSpPr>
-            <p:cNvPr name="pt51" id="51"/>
+            <p:cNvPr name="pt50" id="50"/>
             <p:cNvSpPr/>
             <p:nvPr/>
           </p:nvSpPr>
@@ -5428,7 +5393,7 @@
         </p:sp>
         <p:sp>
           <p:nvSpPr>
-            <p:cNvPr name="pt52" id="52"/>
+            <p:cNvPr name="pt51" id="51"/>
             <p:cNvSpPr/>
             <p:nvPr/>
           </p:nvSpPr>
@@ -5463,7 +5428,7 @@
         </p:sp>
         <p:sp>
           <p:nvSpPr>
-            <p:cNvPr name="pt53" id="53"/>
+            <p:cNvPr name="pt52" id="52"/>
             <p:cNvSpPr/>
             <p:nvPr/>
           </p:nvSpPr>
@@ -5498,7 +5463,7 @@
         </p:sp>
         <p:sp>
           <p:nvSpPr>
-            <p:cNvPr name="pt54" id="54"/>
+            <p:cNvPr name="pt53" id="53"/>
             <p:cNvSpPr/>
             <p:nvPr/>
           </p:nvSpPr>
@@ -5533,7 +5498,7 @@
         </p:sp>
         <p:sp>
           <p:nvSpPr>
-            <p:cNvPr name="pt55" id="55"/>
+            <p:cNvPr name="pt54" id="54"/>
             <p:cNvSpPr/>
             <p:nvPr/>
           </p:nvSpPr>
@@ -5568,7 +5533,7 @@
         </p:sp>
         <p:sp>
           <p:nvSpPr>
-            <p:cNvPr name="pt56" id="56"/>
+            <p:cNvPr name="pt55" id="55"/>
             <p:cNvSpPr/>
             <p:nvPr/>
           </p:nvSpPr>
@@ -5603,7 +5568,7 @@
         </p:sp>
         <p:sp>
           <p:nvSpPr>
-            <p:cNvPr name="pt57" id="57"/>
+            <p:cNvPr name="pt56" id="56"/>
             <p:cNvSpPr/>
             <p:nvPr/>
           </p:nvSpPr>
@@ -5638,7 +5603,7 @@
         </p:sp>
         <p:sp>
           <p:nvSpPr>
-            <p:cNvPr name="pt58" id="58"/>
+            <p:cNvPr name="pt57" id="57"/>
             <p:cNvSpPr/>
             <p:nvPr/>
           </p:nvSpPr>
@@ -5673,7 +5638,7 @@
         </p:sp>
         <p:sp>
           <p:nvSpPr>
-            <p:cNvPr name="pt59" id="59"/>
+            <p:cNvPr name="pt58" id="58"/>
             <p:cNvSpPr/>
             <p:nvPr/>
           </p:nvSpPr>
@@ -5708,7 +5673,7 @@
         </p:sp>
         <p:sp>
           <p:nvSpPr>
-            <p:cNvPr name="pt60" id="60"/>
+            <p:cNvPr name="pt59" id="59"/>
             <p:cNvSpPr/>
             <p:nvPr/>
           </p:nvSpPr>
@@ -5743,7 +5708,7 @@
         </p:sp>
         <p:sp>
           <p:nvSpPr>
-            <p:cNvPr name="pt61" id="61"/>
+            <p:cNvPr name="pt60" id="60"/>
             <p:cNvSpPr/>
             <p:nvPr/>
           </p:nvSpPr>
@@ -5778,7 +5743,7 @@
         </p:sp>
         <p:sp>
           <p:nvSpPr>
-            <p:cNvPr name="pt62" id="62"/>
+            <p:cNvPr name="pt61" id="61"/>
             <p:cNvSpPr/>
             <p:nvPr/>
           </p:nvSpPr>
@@ -5813,7 +5778,7 @@
         </p:sp>
         <p:sp>
           <p:nvSpPr>
-            <p:cNvPr name="pt63" id="63"/>
+            <p:cNvPr name="pt62" id="62"/>
             <p:cNvSpPr/>
             <p:nvPr/>
           </p:nvSpPr>
@@ -5848,7 +5813,7 @@
         </p:sp>
         <p:sp>
           <p:nvSpPr>
-            <p:cNvPr name="pt64" id="64"/>
+            <p:cNvPr name="pt63" id="63"/>
             <p:cNvSpPr/>
             <p:nvPr/>
           </p:nvSpPr>
@@ -5883,7 +5848,7 @@
         </p:sp>
         <p:sp>
           <p:nvSpPr>
-            <p:cNvPr name="pt65" id="65"/>
+            <p:cNvPr name="pt64" id="64"/>
             <p:cNvSpPr/>
             <p:nvPr/>
           </p:nvSpPr>
@@ -5918,7 +5883,7 @@
         </p:sp>
         <p:sp>
           <p:nvSpPr>
-            <p:cNvPr name="pt66" id="66"/>
+            <p:cNvPr name="pt65" id="65"/>
             <p:cNvSpPr/>
             <p:nvPr/>
           </p:nvSpPr>
@@ -5953,7 +5918,7 @@
         </p:sp>
         <p:sp>
           <p:nvSpPr>
-            <p:cNvPr name="pt67" id="67"/>
+            <p:cNvPr name="pt66" id="66"/>
             <p:cNvSpPr/>
             <p:nvPr/>
           </p:nvSpPr>
@@ -5988,7 +5953,7 @@
         </p:sp>
         <p:sp>
           <p:nvSpPr>
-            <p:cNvPr name="pt68" id="68"/>
+            <p:cNvPr name="pt67" id="67"/>
             <p:cNvSpPr/>
             <p:nvPr/>
           </p:nvSpPr>
@@ -6023,7 +5988,7 @@
         </p:sp>
         <p:sp>
           <p:nvSpPr>
-            <p:cNvPr name="pt69" id="69"/>
+            <p:cNvPr name="pt68" id="68"/>
             <p:cNvSpPr/>
             <p:nvPr/>
           </p:nvSpPr>
@@ -6058,7 +6023,7 @@
         </p:sp>
         <p:sp>
           <p:nvSpPr>
-            <p:cNvPr name="pt70" id="70"/>
+            <p:cNvPr name="pt69" id="69"/>
             <p:cNvSpPr/>
             <p:nvPr/>
           </p:nvSpPr>
@@ -6093,7 +6058,7 @@
         </p:sp>
         <p:sp>
           <p:nvSpPr>
-            <p:cNvPr name="pt71" id="71"/>
+            <p:cNvPr name="pt70" id="70"/>
             <p:cNvSpPr/>
             <p:nvPr/>
           </p:nvSpPr>
@@ -6128,7 +6093,7 @@
         </p:sp>
         <p:sp>
           <p:nvSpPr>
-            <p:cNvPr name="pt72" id="72"/>
+            <p:cNvPr name="pt71" id="71"/>
             <p:cNvSpPr/>
             <p:nvPr/>
           </p:nvSpPr>
@@ -6163,7 +6128,7 @@
         </p:sp>
         <p:sp>
           <p:nvSpPr>
-            <p:cNvPr name="pt73" id="73"/>
+            <p:cNvPr name="pt72" id="72"/>
             <p:cNvSpPr/>
             <p:nvPr/>
           </p:nvSpPr>
@@ -6198,7 +6163,7 @@
         </p:sp>
         <p:sp>
           <p:nvSpPr>
-            <p:cNvPr name="pt74" id="74"/>
+            <p:cNvPr name="pt73" id="73"/>
             <p:cNvSpPr/>
             <p:nvPr/>
           </p:nvSpPr>
@@ -6233,7 +6198,7 @@
         </p:sp>
         <p:sp>
           <p:nvSpPr>
-            <p:cNvPr name="pt75" id="75"/>
+            <p:cNvPr name="pt74" id="74"/>
             <p:cNvSpPr/>
             <p:nvPr/>
           </p:nvSpPr>
@@ -6268,7 +6233,7 @@
         </p:sp>
         <p:sp>
           <p:nvSpPr>
-            <p:cNvPr name="pt76" id="76"/>
+            <p:cNvPr name="pt75" id="75"/>
             <p:cNvSpPr/>
             <p:nvPr/>
           </p:nvSpPr>
@@ -6303,7 +6268,7 @@
         </p:sp>
         <p:sp>
           <p:nvSpPr>
-            <p:cNvPr name="pt77" id="77"/>
+            <p:cNvPr name="pt76" id="76"/>
             <p:cNvSpPr/>
             <p:nvPr/>
           </p:nvSpPr>
@@ -6338,7 +6303,7 @@
         </p:sp>
         <p:sp>
           <p:nvSpPr>
-            <p:cNvPr name="pt78" id="78"/>
+            <p:cNvPr name="pt77" id="77"/>
             <p:cNvSpPr/>
             <p:nvPr/>
           </p:nvSpPr>
@@ -6373,7 +6338,7 @@
         </p:sp>
         <p:sp>
           <p:nvSpPr>
-            <p:cNvPr name="pt79" id="79"/>
+            <p:cNvPr name="pt78" id="78"/>
             <p:cNvSpPr/>
             <p:nvPr/>
           </p:nvSpPr>
@@ -6408,7 +6373,7 @@
         </p:sp>
         <p:sp>
           <p:nvSpPr>
-            <p:cNvPr name="pt80" id="80"/>
+            <p:cNvPr name="pt79" id="79"/>
             <p:cNvSpPr/>
             <p:nvPr/>
           </p:nvSpPr>
@@ -6443,7 +6408,7 @@
         </p:sp>
         <p:sp>
           <p:nvSpPr>
-            <p:cNvPr name="pt81" id="81"/>
+            <p:cNvPr name="pt80" id="80"/>
             <p:cNvSpPr/>
             <p:nvPr/>
           </p:nvSpPr>
@@ -6478,7 +6443,7 @@
         </p:sp>
         <p:sp>
           <p:nvSpPr>
-            <p:cNvPr name="pt82" id="82"/>
+            <p:cNvPr name="pt81" id="81"/>
             <p:cNvSpPr/>
             <p:nvPr/>
           </p:nvSpPr>
@@ -6513,7 +6478,7 @@
         </p:sp>
         <p:sp>
           <p:nvSpPr>
-            <p:cNvPr name="pt83" id="83"/>
+            <p:cNvPr name="pt82" id="82"/>
             <p:cNvSpPr/>
             <p:nvPr/>
           </p:nvSpPr>
@@ -6548,7 +6513,7 @@
         </p:sp>
         <p:sp>
           <p:nvSpPr>
-            <p:cNvPr name="pt84" id="84"/>
+            <p:cNvPr name="pt83" id="83"/>
             <p:cNvSpPr/>
             <p:nvPr/>
           </p:nvSpPr>
@@ -6583,7 +6548,7 @@
         </p:sp>
         <p:sp>
           <p:nvSpPr>
-            <p:cNvPr name="pt85" id="85"/>
+            <p:cNvPr name="pt84" id="84"/>
             <p:cNvSpPr/>
             <p:nvPr/>
           </p:nvSpPr>
@@ -6618,7 +6583,7 @@
         </p:sp>
         <p:sp>
           <p:nvSpPr>
-            <p:cNvPr name="pt86" id="86"/>
+            <p:cNvPr name="pt85" id="85"/>
             <p:cNvSpPr/>
             <p:nvPr/>
           </p:nvSpPr>
@@ -6653,7 +6618,7 @@
         </p:sp>
         <p:sp>
           <p:nvSpPr>
-            <p:cNvPr name="pt87" id="87"/>
+            <p:cNvPr name="pt86" id="86"/>
             <p:cNvSpPr/>
             <p:nvPr/>
           </p:nvSpPr>
@@ -6688,7 +6653,7 @@
         </p:sp>
         <p:sp>
           <p:nvSpPr>
-            <p:cNvPr name="pt88" id="88"/>
+            <p:cNvPr name="pt87" id="87"/>
             <p:cNvSpPr/>
             <p:nvPr/>
           </p:nvSpPr>
@@ -6723,7 +6688,7 @@
         </p:sp>
         <p:sp>
           <p:nvSpPr>
-            <p:cNvPr name="pt89" id="89"/>
+            <p:cNvPr name="pt88" id="88"/>
             <p:cNvSpPr/>
             <p:nvPr/>
           </p:nvSpPr>
@@ -6758,7 +6723,7 @@
         </p:sp>
         <p:sp>
           <p:nvSpPr>
-            <p:cNvPr name="pt90" id="90"/>
+            <p:cNvPr name="pt89" id="89"/>
             <p:cNvSpPr/>
             <p:nvPr/>
           </p:nvSpPr>
@@ -6793,7 +6758,7 @@
         </p:sp>
         <p:sp>
           <p:nvSpPr>
-            <p:cNvPr name="pt91" id="91"/>
+            <p:cNvPr name="pt90" id="90"/>
             <p:cNvSpPr/>
             <p:nvPr/>
           </p:nvSpPr>
@@ -6828,7 +6793,7 @@
         </p:sp>
         <p:sp>
           <p:nvSpPr>
-            <p:cNvPr name="pt92" id="92"/>
+            <p:cNvPr name="pt91" id="91"/>
             <p:cNvSpPr/>
             <p:nvPr/>
           </p:nvSpPr>
@@ -6863,7 +6828,7 @@
         </p:sp>
         <p:sp>
           <p:nvSpPr>
-            <p:cNvPr name="pt93" id="93"/>
+            <p:cNvPr name="pt92" id="92"/>
             <p:cNvSpPr/>
             <p:nvPr/>
           </p:nvSpPr>
@@ -6898,7 +6863,7 @@
         </p:sp>
         <p:sp>
           <p:nvSpPr>
-            <p:cNvPr name="pt94" id="94"/>
+            <p:cNvPr name="pt93" id="93"/>
             <p:cNvSpPr/>
             <p:nvPr/>
           </p:nvSpPr>
@@ -6933,7 +6898,7 @@
         </p:sp>
         <p:sp>
           <p:nvSpPr>
-            <p:cNvPr name="pt95" id="95"/>
+            <p:cNvPr name="pt94" id="94"/>
             <p:cNvSpPr/>
             <p:nvPr/>
           </p:nvSpPr>
@@ -6968,7 +6933,7 @@
         </p:sp>
         <p:sp>
           <p:nvSpPr>
-            <p:cNvPr name="pt96" id="96"/>
+            <p:cNvPr name="pt95" id="95"/>
             <p:cNvSpPr/>
             <p:nvPr/>
           </p:nvSpPr>
@@ -7003,7 +6968,7 @@
         </p:sp>
         <p:sp>
           <p:nvSpPr>
-            <p:cNvPr name="pt97" id="97"/>
+            <p:cNvPr name="pt96" id="96"/>
             <p:cNvSpPr/>
             <p:nvPr/>
           </p:nvSpPr>
@@ -7038,7 +7003,7 @@
         </p:sp>
         <p:sp>
           <p:nvSpPr>
-            <p:cNvPr name="pt98" id="98"/>
+            <p:cNvPr name="pt97" id="97"/>
             <p:cNvSpPr/>
             <p:nvPr/>
           </p:nvSpPr>
@@ -7073,7 +7038,7 @@
         </p:sp>
         <p:sp>
           <p:nvSpPr>
-            <p:cNvPr name="pt99" id="99"/>
+            <p:cNvPr name="pt98" id="98"/>
             <p:cNvSpPr/>
             <p:nvPr/>
           </p:nvSpPr>
@@ -7108,7 +7073,7 @@
         </p:sp>
         <p:sp>
           <p:nvSpPr>
-            <p:cNvPr name="pt100" id="100"/>
+            <p:cNvPr name="pt99" id="99"/>
             <p:cNvSpPr/>
             <p:nvPr/>
           </p:nvSpPr>
@@ -7143,7 +7108,7 @@
         </p:sp>
         <p:sp>
           <p:nvSpPr>
-            <p:cNvPr name="pt101" id="101"/>
+            <p:cNvPr name="pt100" id="100"/>
             <p:cNvSpPr/>
             <p:nvPr/>
           </p:nvSpPr>
@@ -7178,7 +7143,7 @@
         </p:sp>
         <p:sp>
           <p:nvSpPr>
-            <p:cNvPr name="pt102" id="102"/>
+            <p:cNvPr name="pt101" id="101"/>
             <p:cNvSpPr/>
             <p:nvPr/>
           </p:nvSpPr>
@@ -7213,7 +7178,7 @@
         </p:sp>
         <p:sp>
           <p:nvSpPr>
-            <p:cNvPr name="pt103" id="103"/>
+            <p:cNvPr name="pt102" id="102"/>
             <p:cNvSpPr/>
             <p:nvPr/>
           </p:nvSpPr>
@@ -7248,7 +7213,7 @@
         </p:sp>
         <p:sp>
           <p:nvSpPr>
-            <p:cNvPr name="pt104" id="104"/>
+            <p:cNvPr name="pt103" id="103"/>
             <p:cNvSpPr/>
             <p:nvPr/>
           </p:nvSpPr>
@@ -7283,7 +7248,7 @@
         </p:sp>
         <p:sp>
           <p:nvSpPr>
-            <p:cNvPr name="pt105" id="105"/>
+            <p:cNvPr name="pt104" id="104"/>
             <p:cNvSpPr/>
             <p:nvPr/>
           </p:nvSpPr>
@@ -7318,7 +7283,7 @@
         </p:sp>
         <p:sp>
           <p:nvSpPr>
-            <p:cNvPr name="pt106" id="106"/>
+            <p:cNvPr name="pt105" id="105"/>
             <p:cNvSpPr/>
             <p:nvPr/>
           </p:nvSpPr>
@@ -7353,7 +7318,7 @@
         </p:sp>
         <p:sp>
           <p:nvSpPr>
-            <p:cNvPr name="pt107" id="107"/>
+            <p:cNvPr name="pt106" id="106"/>
             <p:cNvSpPr/>
             <p:nvPr/>
           </p:nvSpPr>
@@ -7388,7 +7353,7 @@
         </p:sp>
         <p:sp>
           <p:nvSpPr>
-            <p:cNvPr name="pt108" id="108"/>
+            <p:cNvPr name="pt107" id="107"/>
             <p:cNvSpPr/>
             <p:nvPr/>
           </p:nvSpPr>
@@ -7423,7 +7388,7 @@
         </p:sp>
         <p:sp>
           <p:nvSpPr>
-            <p:cNvPr name="pt109" id="109"/>
+            <p:cNvPr name="pt108" id="108"/>
             <p:cNvSpPr/>
             <p:nvPr/>
           </p:nvSpPr>
@@ -7458,7 +7423,7 @@
         </p:sp>
         <p:sp>
           <p:nvSpPr>
-            <p:cNvPr name="pt110" id="110"/>
+            <p:cNvPr name="pt109" id="109"/>
             <p:cNvSpPr/>
             <p:nvPr/>
           </p:nvSpPr>
@@ -7493,7 +7458,7 @@
         </p:sp>
         <p:sp>
           <p:nvSpPr>
-            <p:cNvPr name="pt111" id="111"/>
+            <p:cNvPr name="pt110" id="110"/>
             <p:cNvSpPr/>
             <p:nvPr/>
           </p:nvSpPr>
@@ -7528,7 +7493,7 @@
         </p:sp>
         <p:sp>
           <p:nvSpPr>
-            <p:cNvPr name="pt112" id="112"/>
+            <p:cNvPr name="pt111" id="111"/>
             <p:cNvSpPr/>
             <p:nvPr/>
           </p:nvSpPr>
@@ -7563,7 +7528,7 @@
         </p:sp>
         <p:sp>
           <p:nvSpPr>
-            <p:cNvPr name="pt113" id="113"/>
+            <p:cNvPr name="pt112" id="112"/>
             <p:cNvSpPr/>
             <p:nvPr/>
           </p:nvSpPr>
@@ -7598,7 +7563,7 @@
         </p:sp>
         <p:sp>
           <p:nvSpPr>
-            <p:cNvPr name="pt114" id="114"/>
+            <p:cNvPr name="pt113" id="113"/>
             <p:cNvSpPr/>
             <p:nvPr/>
           </p:nvSpPr>
@@ -7633,7 +7598,7 @@
         </p:sp>
         <p:sp>
           <p:nvSpPr>
-            <p:cNvPr name="pt115" id="115"/>
+            <p:cNvPr name="pt114" id="114"/>
             <p:cNvSpPr/>
             <p:nvPr/>
           </p:nvSpPr>
@@ -7668,7 +7633,7 @@
         </p:sp>
         <p:sp>
           <p:nvSpPr>
-            <p:cNvPr name="pt116" id="116"/>
+            <p:cNvPr name="pt115" id="115"/>
             <p:cNvSpPr/>
             <p:nvPr/>
           </p:nvSpPr>
@@ -7703,7 +7668,7 @@
         </p:sp>
         <p:sp>
           <p:nvSpPr>
-            <p:cNvPr name="pt117" id="117"/>
+            <p:cNvPr name="pt116" id="116"/>
             <p:cNvSpPr/>
             <p:nvPr/>
           </p:nvSpPr>
@@ -7738,7 +7703,7 @@
         </p:sp>
         <p:sp>
           <p:nvSpPr>
-            <p:cNvPr name="pt118" id="118"/>
+            <p:cNvPr name="pt117" id="117"/>
             <p:cNvSpPr/>
             <p:nvPr/>
           </p:nvSpPr>
@@ -7773,7 +7738,7 @@
         </p:sp>
         <p:sp>
           <p:nvSpPr>
-            <p:cNvPr name="pt119" id="119"/>
+            <p:cNvPr name="pt118" id="118"/>
             <p:cNvSpPr/>
             <p:nvPr/>
           </p:nvSpPr>
@@ -7808,7 +7773,7 @@
         </p:sp>
         <p:sp>
           <p:nvSpPr>
-            <p:cNvPr name="pt120" id="120"/>
+            <p:cNvPr name="pt119" id="119"/>
             <p:cNvSpPr/>
             <p:nvPr/>
           </p:nvSpPr>
@@ -7843,7 +7808,7 @@
         </p:sp>
         <p:sp>
           <p:nvSpPr>
-            <p:cNvPr name="pt121" id="121"/>
+            <p:cNvPr name="pt120" id="120"/>
             <p:cNvSpPr/>
             <p:nvPr/>
           </p:nvSpPr>
@@ -7878,7 +7843,7 @@
         </p:sp>
         <p:sp>
           <p:nvSpPr>
-            <p:cNvPr name="pt122" id="122"/>
+            <p:cNvPr name="pt121" id="121"/>
             <p:cNvSpPr/>
             <p:nvPr/>
           </p:nvSpPr>
@@ -7913,7 +7878,7 @@
         </p:sp>
         <p:sp>
           <p:nvSpPr>
-            <p:cNvPr name="pt123" id="123"/>
+            <p:cNvPr name="pt122" id="122"/>
             <p:cNvSpPr/>
             <p:nvPr/>
           </p:nvSpPr>
@@ -7948,7 +7913,7 @@
         </p:sp>
         <p:sp>
           <p:nvSpPr>
-            <p:cNvPr name="pt124" id="124"/>
+            <p:cNvPr name="pt123" id="123"/>
             <p:cNvSpPr/>
             <p:nvPr/>
           </p:nvSpPr>
@@ -7983,7 +7948,7 @@
         </p:sp>
         <p:sp>
           <p:nvSpPr>
-            <p:cNvPr name="pt125" id="125"/>
+            <p:cNvPr name="pt124" id="124"/>
             <p:cNvSpPr/>
             <p:nvPr/>
           </p:nvSpPr>
@@ -8018,7 +7983,7 @@
         </p:sp>
         <p:sp>
           <p:nvSpPr>
-            <p:cNvPr name="pt126" id="126"/>
+            <p:cNvPr name="pt125" id="125"/>
             <p:cNvSpPr/>
             <p:nvPr/>
           </p:nvSpPr>
@@ -8053,7 +8018,7 @@
         </p:sp>
         <p:sp>
           <p:nvSpPr>
-            <p:cNvPr name="pt127" id="127"/>
+            <p:cNvPr name="pt126" id="126"/>
             <p:cNvSpPr/>
             <p:nvPr/>
           </p:nvSpPr>
@@ -8088,7 +8053,7 @@
         </p:sp>
         <p:sp>
           <p:nvSpPr>
-            <p:cNvPr name="pt128" id="128"/>
+            <p:cNvPr name="pt127" id="127"/>
             <p:cNvSpPr/>
             <p:nvPr/>
           </p:nvSpPr>
@@ -8123,7 +8088,7 @@
         </p:sp>
         <p:sp>
           <p:nvSpPr>
-            <p:cNvPr name="pt129" id="129"/>
+            <p:cNvPr name="pt128" id="128"/>
             <p:cNvSpPr/>
             <p:nvPr/>
           </p:nvSpPr>
@@ -8158,7 +8123,7 @@
         </p:sp>
         <p:sp>
           <p:nvSpPr>
-            <p:cNvPr name="pt130" id="130"/>
+            <p:cNvPr name="pt129" id="129"/>
             <p:cNvSpPr/>
             <p:nvPr/>
           </p:nvSpPr>
@@ -8193,7 +8158,7 @@
         </p:sp>
         <p:sp>
           <p:nvSpPr>
-            <p:cNvPr name="pt131" id="131"/>
+            <p:cNvPr name="pt130" id="130"/>
             <p:cNvSpPr/>
             <p:nvPr/>
           </p:nvSpPr>
@@ -8228,7 +8193,7 @@
         </p:sp>
         <p:sp>
           <p:nvSpPr>
-            <p:cNvPr name="pt132" id="132"/>
+            <p:cNvPr name="pt131" id="131"/>
             <p:cNvSpPr/>
             <p:nvPr/>
           </p:nvSpPr>
@@ -8263,7 +8228,7 @@
         </p:sp>
         <p:sp>
           <p:nvSpPr>
-            <p:cNvPr name="pt133" id="133"/>
+            <p:cNvPr name="pt132" id="132"/>
             <p:cNvSpPr/>
             <p:nvPr/>
           </p:nvSpPr>
@@ -8298,7 +8263,7 @@
         </p:sp>
         <p:sp>
           <p:nvSpPr>
-            <p:cNvPr name="pt134" id="134"/>
+            <p:cNvPr name="pt133" id="133"/>
             <p:cNvSpPr/>
             <p:nvPr/>
           </p:nvSpPr>
@@ -8333,7 +8298,7 @@
         </p:sp>
         <p:sp>
           <p:nvSpPr>
-            <p:cNvPr name="pt135" id="135"/>
+            <p:cNvPr name="pt134" id="134"/>
             <p:cNvSpPr/>
             <p:nvPr/>
           </p:nvSpPr>
@@ -8368,7 +8333,7 @@
         </p:sp>
         <p:sp>
           <p:nvSpPr>
-            <p:cNvPr name="pt136" id="136"/>
+            <p:cNvPr name="pt135" id="135"/>
             <p:cNvSpPr/>
             <p:nvPr/>
           </p:nvSpPr>
@@ -8403,7 +8368,7 @@
         </p:sp>
         <p:sp>
           <p:nvSpPr>
-            <p:cNvPr name="pt137" id="137"/>
+            <p:cNvPr name="pt136" id="136"/>
             <p:cNvSpPr/>
             <p:nvPr/>
           </p:nvSpPr>
@@ -8438,7 +8403,7 @@
         </p:sp>
         <p:sp>
           <p:nvSpPr>
-            <p:cNvPr name="pt138" id="138"/>
+            <p:cNvPr name="pt137" id="137"/>
             <p:cNvSpPr/>
             <p:nvPr/>
           </p:nvSpPr>
@@ -8473,7 +8438,7 @@
         </p:sp>
         <p:sp>
           <p:nvSpPr>
-            <p:cNvPr name="pt139" id="139"/>
+            <p:cNvPr name="pt138" id="138"/>
             <p:cNvSpPr/>
             <p:nvPr/>
           </p:nvSpPr>
@@ -8508,7 +8473,7 @@
         </p:sp>
         <p:sp>
           <p:nvSpPr>
-            <p:cNvPr name="pt140" id="140"/>
+            <p:cNvPr name="pt139" id="139"/>
             <p:cNvSpPr/>
             <p:nvPr/>
           </p:nvSpPr>
@@ -8543,7 +8508,7 @@
         </p:sp>
         <p:sp>
           <p:nvSpPr>
-            <p:cNvPr name="pt141" id="141"/>
+            <p:cNvPr name="pt140" id="140"/>
             <p:cNvSpPr/>
             <p:nvPr/>
           </p:nvSpPr>
@@ -8578,7 +8543,7 @@
         </p:sp>
         <p:sp>
           <p:nvSpPr>
-            <p:cNvPr name="pt142" id="142"/>
+            <p:cNvPr name="pt141" id="141"/>
             <p:cNvSpPr/>
             <p:nvPr/>
           </p:nvSpPr>
@@ -8613,7 +8578,7 @@
         </p:sp>
         <p:sp>
           <p:nvSpPr>
-            <p:cNvPr name="pt143" id="143"/>
+            <p:cNvPr name="pt142" id="142"/>
             <p:cNvSpPr/>
             <p:nvPr/>
           </p:nvSpPr>
@@ -8648,7 +8613,7 @@
         </p:sp>
         <p:sp>
           <p:nvSpPr>
-            <p:cNvPr name="pt144" id="144"/>
+            <p:cNvPr name="pt143" id="143"/>
             <p:cNvSpPr/>
             <p:nvPr/>
           </p:nvSpPr>
@@ -8683,7 +8648,7 @@
         </p:sp>
         <p:sp>
           <p:nvSpPr>
-            <p:cNvPr name="pt145" id="145"/>
+            <p:cNvPr name="pt144" id="144"/>
             <p:cNvSpPr/>
             <p:nvPr/>
           </p:nvSpPr>
@@ -8718,7 +8683,7 @@
         </p:sp>
         <p:sp>
           <p:nvSpPr>
-            <p:cNvPr name="pt146" id="146"/>
+            <p:cNvPr name="pt145" id="145"/>
             <p:cNvSpPr/>
             <p:nvPr/>
           </p:nvSpPr>
@@ -8753,7 +8718,7 @@
         </p:sp>
         <p:sp>
           <p:nvSpPr>
-            <p:cNvPr name="pt147" id="147"/>
+            <p:cNvPr name="pt146" id="146"/>
             <p:cNvSpPr/>
             <p:nvPr/>
           </p:nvSpPr>
@@ -8788,7 +8753,7 @@
         </p:sp>
         <p:sp>
           <p:nvSpPr>
-            <p:cNvPr name="pt148" id="148"/>
+            <p:cNvPr name="pt147" id="147"/>
             <p:cNvSpPr/>
             <p:nvPr/>
           </p:nvSpPr>
@@ -8823,7 +8788,7 @@
         </p:sp>
         <p:sp>
           <p:nvSpPr>
-            <p:cNvPr name="pt149" id="149"/>
+            <p:cNvPr name="pt148" id="148"/>
             <p:cNvSpPr/>
             <p:nvPr/>
           </p:nvSpPr>
@@ -8858,7 +8823,7 @@
         </p:sp>
         <p:sp>
           <p:nvSpPr>
-            <p:cNvPr name="pt150" id="150"/>
+            <p:cNvPr name="pt149" id="149"/>
             <p:cNvSpPr/>
             <p:nvPr/>
           </p:nvSpPr>
@@ -8893,7 +8858,7 @@
         </p:sp>
         <p:sp>
           <p:nvSpPr>
-            <p:cNvPr name="pt151" id="151"/>
+            <p:cNvPr name="pt150" id="150"/>
             <p:cNvSpPr/>
             <p:nvPr/>
           </p:nvSpPr>
@@ -8928,7 +8893,7 @@
         </p:sp>
         <p:sp>
           <p:nvSpPr>
-            <p:cNvPr name="pt152" id="152"/>
+            <p:cNvPr name="pt151" id="151"/>
             <p:cNvSpPr/>
             <p:nvPr/>
           </p:nvSpPr>
@@ -8963,7 +8928,7 @@
         </p:sp>
         <p:sp>
           <p:nvSpPr>
-            <p:cNvPr name="pt153" id="153"/>
+            <p:cNvPr name="pt152" id="152"/>
             <p:cNvSpPr/>
             <p:nvPr/>
           </p:nvSpPr>
@@ -8998,7 +8963,7 @@
         </p:sp>
         <p:sp>
           <p:nvSpPr>
-            <p:cNvPr name="pt154" id="154"/>
+            <p:cNvPr name="pt153" id="153"/>
             <p:cNvSpPr/>
             <p:nvPr/>
           </p:nvSpPr>
@@ -9033,7 +8998,7 @@
         </p:sp>
         <p:sp>
           <p:nvSpPr>
-            <p:cNvPr name="pt155" id="155"/>
+            <p:cNvPr name="pt154" id="154"/>
             <p:cNvSpPr/>
             <p:nvPr/>
           </p:nvSpPr>
@@ -9068,7 +9033,7 @@
         </p:sp>
         <p:sp>
           <p:nvSpPr>
-            <p:cNvPr name="pt156" id="156"/>
+            <p:cNvPr name="pt155" id="155"/>
             <p:cNvSpPr/>
             <p:nvPr/>
           </p:nvSpPr>
@@ -9103,7 +9068,7 @@
         </p:sp>
         <p:sp>
           <p:nvSpPr>
-            <p:cNvPr name="pt157" id="157"/>
+            <p:cNvPr name="pt156" id="156"/>
             <p:cNvSpPr/>
             <p:nvPr/>
           </p:nvSpPr>
@@ -9138,7 +9103,7 @@
         </p:sp>
         <p:sp>
           <p:nvSpPr>
-            <p:cNvPr name="pt158" id="158"/>
+            <p:cNvPr name="pt157" id="157"/>
             <p:cNvSpPr/>
             <p:nvPr/>
           </p:nvSpPr>
@@ -9173,7 +9138,7 @@
         </p:sp>
         <p:sp>
           <p:nvSpPr>
-            <p:cNvPr name="pt159" id="159"/>
+            <p:cNvPr name="pt158" id="158"/>
             <p:cNvSpPr/>
             <p:nvPr/>
           </p:nvSpPr>
@@ -9208,7 +9173,7 @@
         </p:sp>
         <p:sp>
           <p:nvSpPr>
-            <p:cNvPr name="pt160" id="160"/>
+            <p:cNvPr name="pt159" id="159"/>
             <p:cNvSpPr/>
             <p:nvPr/>
           </p:nvSpPr>
@@ -9243,7 +9208,7 @@
         </p:sp>
         <p:sp>
           <p:nvSpPr>
-            <p:cNvPr name="pt161" id="161"/>
+            <p:cNvPr name="pt160" id="160"/>
             <p:cNvSpPr/>
             <p:nvPr/>
           </p:nvSpPr>
@@ -9278,7 +9243,7 @@
         </p:sp>
         <p:sp>
           <p:nvSpPr>
-            <p:cNvPr name="pt162" id="162"/>
+            <p:cNvPr name="pt161" id="161"/>
             <p:cNvSpPr/>
             <p:nvPr/>
           </p:nvSpPr>
@@ -9313,7 +9278,7 @@
         </p:sp>
         <p:sp>
           <p:nvSpPr>
-            <p:cNvPr name="pt163" id="163"/>
+            <p:cNvPr name="pt162" id="162"/>
             <p:cNvSpPr/>
             <p:nvPr/>
           </p:nvSpPr>
@@ -9348,7 +9313,7 @@
         </p:sp>
         <p:sp>
           <p:nvSpPr>
-            <p:cNvPr name="pt164" id="164"/>
+            <p:cNvPr name="pt163" id="163"/>
             <p:cNvSpPr/>
             <p:nvPr/>
           </p:nvSpPr>
@@ -9383,7 +9348,7 @@
         </p:sp>
         <p:sp>
           <p:nvSpPr>
-            <p:cNvPr name="pt165" id="165"/>
+            <p:cNvPr name="pt164" id="164"/>
             <p:cNvSpPr/>
             <p:nvPr/>
           </p:nvSpPr>
@@ -9418,7 +9383,7 @@
         </p:sp>
         <p:sp>
           <p:nvSpPr>
-            <p:cNvPr name="pt166" id="166"/>
+            <p:cNvPr name="pt165" id="165"/>
             <p:cNvSpPr/>
             <p:nvPr/>
           </p:nvSpPr>
@@ -9453,7 +9418,7 @@
         </p:sp>
         <p:sp>
           <p:nvSpPr>
-            <p:cNvPr name="pt167" id="167"/>
+            <p:cNvPr name="pt166" id="166"/>
             <p:cNvSpPr/>
             <p:nvPr/>
           </p:nvSpPr>
@@ -9488,7 +9453,7 @@
         </p:sp>
         <p:sp>
           <p:nvSpPr>
-            <p:cNvPr name="pt168" id="168"/>
+            <p:cNvPr name="pt167" id="167"/>
             <p:cNvSpPr/>
             <p:nvPr/>
           </p:nvSpPr>
@@ -9523,7 +9488,7 @@
         </p:sp>
         <p:sp>
           <p:nvSpPr>
-            <p:cNvPr name="pt169" id="169"/>
+            <p:cNvPr name="pt168" id="168"/>
             <p:cNvSpPr/>
             <p:nvPr/>
           </p:nvSpPr>
@@ -9558,7 +9523,7 @@
         </p:sp>
         <p:sp>
           <p:nvSpPr>
-            <p:cNvPr name="pt170" id="170"/>
+            <p:cNvPr name="pt169" id="169"/>
             <p:cNvSpPr/>
             <p:nvPr/>
           </p:nvSpPr>
@@ -9593,7 +9558,7 @@
         </p:sp>
         <p:sp>
           <p:nvSpPr>
-            <p:cNvPr name="pt171" id="171"/>
+            <p:cNvPr name="pt170" id="170"/>
             <p:cNvSpPr/>
             <p:nvPr/>
           </p:nvSpPr>
@@ -9628,7 +9593,7 @@
         </p:sp>
         <p:sp>
           <p:nvSpPr>
-            <p:cNvPr name="tx172" id="172"/>
+            <p:cNvPr name="tx171" id="171"/>
             <p:cNvSpPr/>
             <p:nvPr/>
           </p:nvSpPr>
@@ -9674,7 +9639,7 @@
         </p:sp>
         <p:sp>
           <p:nvSpPr>
-            <p:cNvPr name="tx173" id="173"/>
+            <p:cNvPr name="tx172" id="172"/>
             <p:cNvSpPr/>
             <p:nvPr/>
           </p:nvSpPr>
@@ -9720,7 +9685,7 @@
         </p:sp>
         <p:sp>
           <p:nvSpPr>
-            <p:cNvPr name="tx174" id="174"/>
+            <p:cNvPr name="tx173" id="173"/>
             <p:cNvSpPr/>
             <p:nvPr/>
           </p:nvSpPr>
@@ -9766,7 +9731,7 @@
         </p:sp>
         <p:sp>
           <p:nvSpPr>
-            <p:cNvPr name="pl175" id="175"/>
+            <p:cNvPr name="pl174" id="174"/>
             <p:cNvSpPr/>
             <p:nvPr/>
           </p:nvSpPr>
@@ -9806,7 +9771,7 @@
         </p:sp>
         <p:sp>
           <p:nvSpPr>
-            <p:cNvPr name="pl176" id="176"/>
+            <p:cNvPr name="pl175" id="175"/>
             <p:cNvSpPr/>
             <p:nvPr/>
           </p:nvSpPr>
@@ -9846,7 +9811,7 @@
         </p:sp>
         <p:sp>
           <p:nvSpPr>
-            <p:cNvPr name="pl177" id="177"/>
+            <p:cNvPr name="pl176" id="176"/>
             <p:cNvSpPr/>
             <p:nvPr/>
           </p:nvSpPr>
@@ -9886,7 +9851,7 @@
         </p:sp>
         <p:sp>
           <p:nvSpPr>
-            <p:cNvPr name="pl178" id="178"/>
+            <p:cNvPr name="pl177" id="177"/>
             <p:cNvSpPr/>
             <p:nvPr/>
           </p:nvSpPr>
@@ -9926,7 +9891,7 @@
         </p:sp>
         <p:sp>
           <p:nvSpPr>
-            <p:cNvPr name="pl179" id="179"/>
+            <p:cNvPr name="pl178" id="178"/>
             <p:cNvSpPr/>
             <p:nvPr/>
           </p:nvSpPr>
@@ -9966,7 +9931,7 @@
         </p:sp>
         <p:sp>
           <p:nvSpPr>
-            <p:cNvPr name="pl180" id="180"/>
+            <p:cNvPr name="pl179" id="179"/>
             <p:cNvSpPr/>
             <p:nvPr/>
           </p:nvSpPr>
@@ -10006,7 +9971,7 @@
         </p:sp>
         <p:sp>
           <p:nvSpPr>
-            <p:cNvPr name="pl181" id="181"/>
+            <p:cNvPr name="pl180" id="180"/>
             <p:cNvSpPr/>
             <p:nvPr/>
           </p:nvSpPr>
@@ -10046,7 +10011,7 @@
         </p:sp>
         <p:sp>
           <p:nvSpPr>
-            <p:cNvPr name="tx182" id="182"/>
+            <p:cNvPr name="tx181" id="181"/>
             <p:cNvSpPr/>
             <p:nvPr/>
           </p:nvSpPr>
@@ -10092,7 +10057,7 @@
         </p:sp>
         <p:sp>
           <p:nvSpPr>
-            <p:cNvPr name="tx183" id="183"/>
+            <p:cNvPr name="tx182" id="182"/>
             <p:cNvSpPr/>
             <p:nvPr/>
           </p:nvSpPr>
@@ -10138,7 +10103,7 @@
         </p:sp>
         <p:sp>
           <p:nvSpPr>
-            <p:cNvPr name="tx184" id="184"/>
+            <p:cNvPr name="tx183" id="183"/>
             <p:cNvSpPr/>
             <p:nvPr/>
           </p:nvSpPr>
@@ -10184,7 +10149,7 @@
         </p:sp>
         <p:sp>
           <p:nvSpPr>
-            <p:cNvPr name="tx185" id="185"/>
+            <p:cNvPr name="tx184" id="184"/>
             <p:cNvSpPr/>
             <p:nvPr/>
           </p:nvSpPr>
@@ -10230,7 +10195,7 @@
         </p:sp>
         <p:sp>
           <p:nvSpPr>
-            <p:cNvPr name="tx186" id="186"/>
+            <p:cNvPr name="tx185" id="185"/>
             <p:cNvSpPr/>
             <p:nvPr/>
           </p:nvSpPr>
@@ -10276,7 +10241,7 @@
         </p:sp>
         <p:sp>
           <p:nvSpPr>
-            <p:cNvPr name="tx187" id="187"/>
+            <p:cNvPr name="tx186" id="186"/>
             <p:cNvSpPr/>
             <p:nvPr/>
           </p:nvSpPr>
@@ -10322,7 +10287,7 @@
         </p:sp>
         <p:sp>
           <p:nvSpPr>
-            <p:cNvPr name="rc188" id="188"/>
+            <p:cNvPr name="rc187" id="187"/>
             <p:cNvSpPr/>
             <p:nvPr/>
           </p:nvSpPr>
@@ -10348,7 +10313,7 @@
         </p:sp>
         <p:sp>
           <p:nvSpPr>
-            <p:cNvPr name="tx189" id="189"/>
+            <p:cNvPr name="tx188" id="188"/>
             <p:cNvSpPr/>
             <p:nvPr/>
           </p:nvSpPr>
@@ -10394,7 +10359,7 @@
         </p:sp>
         <p:sp>
           <p:nvSpPr>
-            <p:cNvPr name="rc190" id="190"/>
+            <p:cNvPr name="rc189" id="189"/>
             <p:cNvSpPr/>
             <p:nvPr/>
           </p:nvSpPr>
@@ -10429,7 +10394,7 @@
         </p:sp>
         <p:sp>
           <p:nvSpPr>
-            <p:cNvPr name="pt191" id="191"/>
+            <p:cNvPr name="pt190" id="190"/>
             <p:cNvSpPr/>
             <p:nvPr/>
           </p:nvSpPr>
@@ -10464,7 +10429,7 @@
         </p:sp>
         <p:sp>
           <p:nvSpPr>
-            <p:cNvPr name="rc192" id="192"/>
+            <p:cNvPr name="rc191" id="191"/>
             <p:cNvSpPr/>
             <p:nvPr/>
           </p:nvSpPr>
@@ -10499,7 +10464,7 @@
         </p:sp>
         <p:sp>
           <p:nvSpPr>
-            <p:cNvPr name="pt193" id="193"/>
+            <p:cNvPr name="pt192" id="192"/>
             <p:cNvSpPr/>
             <p:nvPr/>
           </p:nvSpPr>
@@ -10534,7 +10499,7 @@
         </p:sp>
         <p:sp>
           <p:nvSpPr>
-            <p:cNvPr name="rc194" id="194"/>
+            <p:cNvPr name="rc193" id="193"/>
             <p:cNvSpPr/>
             <p:nvPr/>
           </p:nvSpPr>
@@ -10569,7 +10534,7 @@
         </p:sp>
         <p:sp>
           <p:nvSpPr>
-            <p:cNvPr name="pt195" id="195"/>
+            <p:cNvPr name="pt194" id="194"/>
             <p:cNvSpPr/>
             <p:nvPr/>
           </p:nvSpPr>
@@ -10604,7 +10569,7 @@
         </p:sp>
         <p:sp>
           <p:nvSpPr>
-            <p:cNvPr name="rc196" id="196"/>
+            <p:cNvPr name="rc195" id="195"/>
             <p:cNvSpPr/>
             <p:nvPr/>
           </p:nvSpPr>
@@ -10639,7 +10604,7 @@
         </p:sp>
         <p:sp>
           <p:nvSpPr>
-            <p:cNvPr name="pt197" id="197"/>
+            <p:cNvPr name="pt196" id="196"/>
             <p:cNvSpPr/>
             <p:nvPr/>
           </p:nvSpPr>
@@ -10674,7 +10639,7 @@
         </p:sp>
         <p:sp>
           <p:nvSpPr>
-            <p:cNvPr name="rc198" id="198"/>
+            <p:cNvPr name="rc197" id="197"/>
             <p:cNvSpPr/>
             <p:nvPr/>
           </p:nvSpPr>
@@ -10709,7 +10674,7 @@
         </p:sp>
         <p:sp>
           <p:nvSpPr>
-            <p:cNvPr name="pt199" id="199"/>
+            <p:cNvPr name="pt198" id="198"/>
             <p:cNvSpPr/>
             <p:nvPr/>
           </p:nvSpPr>
@@ -10744,7 +10709,7 @@
         </p:sp>
         <p:sp>
           <p:nvSpPr>
-            <p:cNvPr name="tx200" id="200"/>
+            <p:cNvPr name="tx199" id="199"/>
             <p:cNvSpPr/>
             <p:nvPr/>
           </p:nvSpPr>
@@ -10790,7 +10755,7 @@
         </p:sp>
         <p:sp>
           <p:nvSpPr>
-            <p:cNvPr name="tx201" id="201"/>
+            <p:cNvPr name="tx200" id="200"/>
             <p:cNvSpPr/>
             <p:nvPr/>
           </p:nvSpPr>
@@ -10836,7 +10801,7 @@
         </p:sp>
         <p:sp>
           <p:nvSpPr>
-            <p:cNvPr name="tx202" id="202"/>
+            <p:cNvPr name="tx201" id="201"/>
             <p:cNvSpPr/>
             <p:nvPr/>
           </p:nvSpPr>
@@ -10882,7 +10847,7 @@
         </p:sp>
         <p:sp>
           <p:nvSpPr>
-            <p:cNvPr name="tx203" id="203"/>
+            <p:cNvPr name="tx202" id="202"/>
             <p:cNvSpPr/>
             <p:nvPr/>
           </p:nvSpPr>
@@ -10928,7 +10893,7 @@
         </p:sp>
         <p:sp>
           <p:nvSpPr>
-            <p:cNvPr name="tx204" id="204"/>
+            <p:cNvPr name="tx203" id="203"/>
             <p:cNvSpPr/>
             <p:nvPr/>
           </p:nvSpPr>
@@ -10974,7 +10939,7 @@
         </p:sp>
         <p:sp>
           <p:nvSpPr>
-            <p:cNvPr name="rc205" id="205"/>
+            <p:cNvPr name="rc204" id="204"/>
             <p:cNvSpPr/>
             <p:nvPr/>
           </p:nvSpPr>
@@ -11000,7 +10965,7 @@
         </p:sp>
         <p:sp>
           <p:nvSpPr>
-            <p:cNvPr name="tx206" id="206"/>
+            <p:cNvPr name="tx205" id="205"/>
             <p:cNvSpPr/>
             <p:nvPr/>
           </p:nvSpPr>
@@ -11046,7 +11011,7 @@
         </p:sp>
         <p:sp>
           <p:nvSpPr>
-            <p:cNvPr name="rc207" id="207"/>
+            <p:cNvPr name="rc206" id="206"/>
             <p:cNvSpPr/>
             <p:nvPr/>
           </p:nvSpPr>
@@ -11081,7 +11046,7 @@
         </p:sp>
         <p:sp>
           <p:nvSpPr>
-            <p:cNvPr name="pt208" id="208"/>
+            <p:cNvPr name="pt207" id="207"/>
             <p:cNvSpPr/>
             <p:nvPr/>
           </p:nvSpPr>
@@ -11116,7 +11081,7 @@
         </p:sp>
         <p:sp>
           <p:nvSpPr>
-            <p:cNvPr name="rc209" id="209"/>
+            <p:cNvPr name="rc208" id="208"/>
             <p:cNvSpPr/>
             <p:nvPr/>
           </p:nvSpPr>
@@ -11151,7 +11116,7 @@
         </p:sp>
         <p:sp>
           <p:nvSpPr>
-            <p:cNvPr name="pt210" id="210"/>
+            <p:cNvPr name="pt209" id="209"/>
             <p:cNvSpPr/>
             <p:nvPr/>
           </p:nvSpPr>
@@ -11186,7 +11151,7 @@
         </p:sp>
         <p:sp>
           <p:nvSpPr>
-            <p:cNvPr name="rc211" id="211"/>
+            <p:cNvPr name="rc210" id="210"/>
             <p:cNvSpPr/>
             <p:nvPr/>
           </p:nvSpPr>
@@ -11221,7 +11186,7 @@
         </p:sp>
         <p:sp>
           <p:nvSpPr>
-            <p:cNvPr name="pt212" id="212"/>
+            <p:cNvPr name="pt211" id="211"/>
             <p:cNvSpPr/>
             <p:nvPr/>
           </p:nvSpPr>
@@ -11256,7 +11221,7 @@
         </p:sp>
         <p:sp>
           <p:nvSpPr>
-            <p:cNvPr name="tx213" id="213"/>
+            <p:cNvPr name="tx212" id="212"/>
             <p:cNvSpPr/>
             <p:nvPr/>
           </p:nvSpPr>
@@ -11302,7 +11267,7 @@
         </p:sp>
         <p:sp>
           <p:nvSpPr>
-            <p:cNvPr name="tx214" id="214"/>
+            <p:cNvPr name="tx213" id="213"/>
             <p:cNvSpPr/>
             <p:nvPr/>
           </p:nvSpPr>
@@ -11348,7 +11313,7 @@
         </p:sp>
         <p:sp>
           <p:nvSpPr>
-            <p:cNvPr name="tx215" id="215"/>
+            <p:cNvPr name="tx214" id="214"/>
             <p:cNvSpPr/>
             <p:nvPr/>
           </p:nvSpPr>
